--- a/Passion.pptx
+++ b/Passion.pptx
@@ -134,7 +134,7 @@
   </p:defaultTextStyle>
   <p:extLst>
     <p:ext uri="{EFAFB233-063F-42B5-8137-9DF3F51BA10A}">
-      <p15:sldGuideLst xmlns="" xmlns:p15="http://schemas.microsoft.com/office/powerpoint/2012/main">
+      <p15:sldGuideLst xmlns:p15="http://schemas.microsoft.com/office/powerpoint/2012/main" xmlns="">
         <p15:guide id="1" orient="horz" pos="2160" userDrawn="1">
           <p15:clr>
             <a:srgbClr val="A4A3A4"/>
@@ -253,7 +253,7 @@
           <a:p>
             <a:fld id="{49ED5A2E-0E8B-4C30-B8FC-09C4186B2E10}" type="datetimeFigureOut">
               <a:rPr lang="ko-KR" altLang="en-US" smtClean="0"/>
-              <a:t>2020-03-24</a:t>
+              <a:t>2020-03-23</a:t>
             </a:fld>
             <a:endParaRPr lang="ko-KR" altLang="en-US"/>
           </a:p>
@@ -973,7 +973,7 @@
           <a:p>
             <a:fld id="{F0781DDC-C18C-4715-96E4-523EE9C68C56}" type="datetimeFigureOut">
               <a:rPr lang="ko-KR" altLang="en-US" smtClean="0"/>
-              <a:t>2020-03-24</a:t>
+              <a:t>2020-03-23</a:t>
             </a:fld>
             <a:endParaRPr lang="ko-KR" altLang="en-US"/>
           </a:p>
@@ -1143,7 +1143,7 @@
           <a:p>
             <a:fld id="{F0781DDC-C18C-4715-96E4-523EE9C68C56}" type="datetimeFigureOut">
               <a:rPr lang="ko-KR" altLang="en-US" smtClean="0"/>
-              <a:t>2020-03-24</a:t>
+              <a:t>2020-03-23</a:t>
             </a:fld>
             <a:endParaRPr lang="ko-KR" altLang="en-US"/>
           </a:p>
@@ -1323,7 +1323,7 @@
           <a:p>
             <a:fld id="{F0781DDC-C18C-4715-96E4-523EE9C68C56}" type="datetimeFigureOut">
               <a:rPr lang="ko-KR" altLang="en-US" smtClean="0"/>
-              <a:t>2020-03-24</a:t>
+              <a:t>2020-03-23</a:t>
             </a:fld>
             <a:endParaRPr lang="ko-KR" altLang="en-US"/>
           </a:p>
@@ -1493,7 +1493,7 @@
           <a:p>
             <a:fld id="{F0781DDC-C18C-4715-96E4-523EE9C68C56}" type="datetimeFigureOut">
               <a:rPr lang="ko-KR" altLang="en-US" smtClean="0"/>
-              <a:t>2020-03-24</a:t>
+              <a:t>2020-03-23</a:t>
             </a:fld>
             <a:endParaRPr lang="ko-KR" altLang="en-US"/>
           </a:p>
@@ -1739,7 +1739,7 @@
           <a:p>
             <a:fld id="{F0781DDC-C18C-4715-96E4-523EE9C68C56}" type="datetimeFigureOut">
               <a:rPr lang="ko-KR" altLang="en-US" smtClean="0"/>
-              <a:t>2020-03-24</a:t>
+              <a:t>2020-03-23</a:t>
             </a:fld>
             <a:endParaRPr lang="ko-KR" altLang="en-US"/>
           </a:p>
@@ -2027,7 +2027,7 @@
           <a:p>
             <a:fld id="{F0781DDC-C18C-4715-96E4-523EE9C68C56}" type="datetimeFigureOut">
               <a:rPr lang="ko-KR" altLang="en-US" smtClean="0"/>
-              <a:t>2020-03-24</a:t>
+              <a:t>2020-03-23</a:t>
             </a:fld>
             <a:endParaRPr lang="ko-KR" altLang="en-US"/>
           </a:p>
@@ -2449,7 +2449,7 @@
           <a:p>
             <a:fld id="{F0781DDC-C18C-4715-96E4-523EE9C68C56}" type="datetimeFigureOut">
               <a:rPr lang="ko-KR" altLang="en-US" smtClean="0"/>
-              <a:t>2020-03-24</a:t>
+              <a:t>2020-03-23</a:t>
             </a:fld>
             <a:endParaRPr lang="ko-KR" altLang="en-US"/>
           </a:p>
@@ -2567,7 +2567,7 @@
           <a:p>
             <a:fld id="{F0781DDC-C18C-4715-96E4-523EE9C68C56}" type="datetimeFigureOut">
               <a:rPr lang="ko-KR" altLang="en-US" smtClean="0"/>
-              <a:t>2020-03-24</a:t>
+              <a:t>2020-03-23</a:t>
             </a:fld>
             <a:endParaRPr lang="ko-KR" altLang="en-US"/>
           </a:p>
@@ -2662,7 +2662,7 @@
           <a:p>
             <a:fld id="{F0781DDC-C18C-4715-96E4-523EE9C68C56}" type="datetimeFigureOut">
               <a:rPr lang="ko-KR" altLang="en-US" smtClean="0"/>
-              <a:t>2020-03-24</a:t>
+              <a:t>2020-03-23</a:t>
             </a:fld>
             <a:endParaRPr lang="ko-KR" altLang="en-US"/>
           </a:p>
@@ -2939,7 +2939,7 @@
           <a:p>
             <a:fld id="{F0781DDC-C18C-4715-96E4-523EE9C68C56}" type="datetimeFigureOut">
               <a:rPr lang="ko-KR" altLang="en-US" smtClean="0"/>
-              <a:t>2020-03-24</a:t>
+              <a:t>2020-03-23</a:t>
             </a:fld>
             <a:endParaRPr lang="ko-KR" altLang="en-US"/>
           </a:p>
@@ -3192,7 +3192,7 @@
           <a:p>
             <a:fld id="{F0781DDC-C18C-4715-96E4-523EE9C68C56}" type="datetimeFigureOut">
               <a:rPr lang="ko-KR" altLang="en-US" smtClean="0"/>
-              <a:t>2020-03-24</a:t>
+              <a:t>2020-03-23</a:t>
             </a:fld>
             <a:endParaRPr lang="ko-KR" altLang="en-US"/>
           </a:p>
@@ -3405,7 +3405,7 @@
           <a:p>
             <a:fld id="{F0781DDC-C18C-4715-96E4-523EE9C68C56}" type="datetimeFigureOut">
               <a:rPr lang="ko-KR" altLang="en-US" smtClean="0"/>
-              <a:t>2020-03-24</a:t>
+              <a:t>2020-03-23</a:t>
             </a:fld>
             <a:endParaRPr lang="ko-KR" altLang="en-US"/>
           </a:p>
@@ -10871,49 +10871,49 @@
                 <a:gridCol w="905740">
                   <a:extLst>
                     <a:ext uri="{9D8B030D-6E8A-4147-A177-3AD203B41FA5}">
-                      <a16:colId xmlns="" xmlns:a16="http://schemas.microsoft.com/office/drawing/2014/main" val="854378655"/>
+                      <a16:colId xmlns:a16="http://schemas.microsoft.com/office/drawing/2014/main" xmlns="" val="854378655"/>
                     </a:ext>
                   </a:extLst>
                 </a:gridCol>
                 <a:gridCol w="820263">
                   <a:extLst>
                     <a:ext uri="{9D8B030D-6E8A-4147-A177-3AD203B41FA5}">
-                      <a16:colId xmlns="" xmlns:a16="http://schemas.microsoft.com/office/drawing/2014/main" val="2928215965"/>
+                      <a16:colId xmlns:a16="http://schemas.microsoft.com/office/drawing/2014/main" xmlns="" val="2928215965"/>
                     </a:ext>
                   </a:extLst>
                 </a:gridCol>
                 <a:gridCol w="820263">
                   <a:extLst>
                     <a:ext uri="{9D8B030D-6E8A-4147-A177-3AD203B41FA5}">
-                      <a16:colId xmlns="" xmlns:a16="http://schemas.microsoft.com/office/drawing/2014/main" val="285937283"/>
+                      <a16:colId xmlns:a16="http://schemas.microsoft.com/office/drawing/2014/main" xmlns="" val="285937283"/>
                     </a:ext>
                   </a:extLst>
                 </a:gridCol>
                 <a:gridCol w="1630197">
                   <a:extLst>
                     <a:ext uri="{9D8B030D-6E8A-4147-A177-3AD203B41FA5}">
-                      <a16:colId xmlns="" xmlns:a16="http://schemas.microsoft.com/office/drawing/2014/main" val="4266542969"/>
+                      <a16:colId xmlns:a16="http://schemas.microsoft.com/office/drawing/2014/main" xmlns="" val="4266542969"/>
                     </a:ext>
                   </a:extLst>
                 </a:gridCol>
                 <a:gridCol w="1392237">
                   <a:extLst>
                     <a:ext uri="{9D8B030D-6E8A-4147-A177-3AD203B41FA5}">
-                      <a16:colId xmlns="" xmlns:a16="http://schemas.microsoft.com/office/drawing/2014/main" val="2953420981"/>
+                      <a16:colId xmlns:a16="http://schemas.microsoft.com/office/drawing/2014/main" xmlns="" val="2953420981"/>
                     </a:ext>
                   </a:extLst>
                 </a:gridCol>
                 <a:gridCol w="1392237">
                   <a:extLst>
                     <a:ext uri="{9D8B030D-6E8A-4147-A177-3AD203B41FA5}">
-                      <a16:colId xmlns="" xmlns:a16="http://schemas.microsoft.com/office/drawing/2014/main" val="3739455142"/>
+                      <a16:colId xmlns:a16="http://schemas.microsoft.com/office/drawing/2014/main" xmlns="" val="3739455142"/>
                     </a:ext>
                   </a:extLst>
                 </a:gridCol>
                 <a:gridCol w="1392237">
                   <a:extLst>
                     <a:ext uri="{9D8B030D-6E8A-4147-A177-3AD203B41FA5}">
-                      <a16:colId xmlns="" xmlns:a16="http://schemas.microsoft.com/office/drawing/2014/main" val="3338386238"/>
+                      <a16:colId xmlns:a16="http://schemas.microsoft.com/office/drawing/2014/main" xmlns="" val="3338386238"/>
                     </a:ext>
                   </a:extLst>
                 </a:gridCol>
@@ -11549,7 +11549,7 @@
                 </a:tc>
                 <a:extLst>
                   <a:ext uri="{0D108BD9-81ED-4DB2-BD59-A6C34878D82A}">
-                    <a16:rowId xmlns="" xmlns:a16="http://schemas.microsoft.com/office/drawing/2014/main" val="455700594"/>
+                    <a16:rowId xmlns:a16="http://schemas.microsoft.com/office/drawing/2014/main" xmlns="" val="455700594"/>
                   </a:ext>
                 </a:extLst>
               </a:tr>
@@ -12123,7 +12123,7 @@
                 </a:tc>
                 <a:extLst>
                   <a:ext uri="{0D108BD9-81ED-4DB2-BD59-A6C34878D82A}">
-                    <a16:rowId xmlns="" xmlns:a16="http://schemas.microsoft.com/office/drawing/2014/main" val="2688770253"/>
+                    <a16:rowId xmlns:a16="http://schemas.microsoft.com/office/drawing/2014/main" xmlns="" val="2688770253"/>
                   </a:ext>
                 </a:extLst>
               </a:tr>
@@ -12419,7 +12419,7 @@
                 </a:tc>
                 <a:extLst>
                   <a:ext uri="{0D108BD9-81ED-4DB2-BD59-A6C34878D82A}">
-                    <a16:rowId xmlns="" xmlns:a16="http://schemas.microsoft.com/office/drawing/2014/main" val="2714065311"/>
+                    <a16:rowId xmlns:a16="http://schemas.microsoft.com/office/drawing/2014/main" xmlns="" val="2714065311"/>
                   </a:ext>
                 </a:extLst>
               </a:tr>
@@ -12851,7 +12851,7 @@
                 </a:tc>
                 <a:extLst>
                   <a:ext uri="{0D108BD9-81ED-4DB2-BD59-A6C34878D82A}">
-                    <a16:rowId xmlns="" xmlns:a16="http://schemas.microsoft.com/office/drawing/2014/main" val="3252860374"/>
+                    <a16:rowId xmlns:a16="http://schemas.microsoft.com/office/drawing/2014/main" xmlns="" val="3252860374"/>
                   </a:ext>
                 </a:extLst>
               </a:tr>
@@ -13351,7 +13351,7 @@
                 </a:tc>
                 <a:extLst>
                   <a:ext uri="{0D108BD9-81ED-4DB2-BD59-A6C34878D82A}">
-                    <a16:rowId xmlns="" xmlns:a16="http://schemas.microsoft.com/office/drawing/2014/main" val="2975856932"/>
+                    <a16:rowId xmlns:a16="http://schemas.microsoft.com/office/drawing/2014/main" xmlns="" val="2975856932"/>
                   </a:ext>
                 </a:extLst>
               </a:tr>
@@ -13647,7 +13647,7 @@
                 </a:tc>
                 <a:extLst>
                   <a:ext uri="{0D108BD9-81ED-4DB2-BD59-A6C34878D82A}">
-                    <a16:rowId xmlns="" xmlns:a16="http://schemas.microsoft.com/office/drawing/2014/main" val="624201206"/>
+                    <a16:rowId xmlns:a16="http://schemas.microsoft.com/office/drawing/2014/main" xmlns="" val="624201206"/>
                   </a:ext>
                 </a:extLst>
               </a:tr>
@@ -14079,7 +14079,7 @@
                 </a:tc>
                 <a:extLst>
                   <a:ext uri="{0D108BD9-81ED-4DB2-BD59-A6C34878D82A}">
-                    <a16:rowId xmlns="" xmlns:a16="http://schemas.microsoft.com/office/drawing/2014/main" val="2728171419"/>
+                    <a16:rowId xmlns:a16="http://schemas.microsoft.com/office/drawing/2014/main" xmlns="" val="2728171419"/>
                   </a:ext>
                 </a:extLst>
               </a:tr>
@@ -14375,7 +14375,7 @@
                 </a:tc>
                 <a:extLst>
                   <a:ext uri="{0D108BD9-81ED-4DB2-BD59-A6C34878D82A}">
-                    <a16:rowId xmlns="" xmlns:a16="http://schemas.microsoft.com/office/drawing/2014/main" val="3678377459"/>
+                    <a16:rowId xmlns:a16="http://schemas.microsoft.com/office/drawing/2014/main" xmlns="" val="3678377459"/>
                   </a:ext>
                 </a:extLst>
               </a:tr>
@@ -14807,7 +14807,7 @@
                 </a:tc>
                 <a:extLst>
                   <a:ext uri="{0D108BD9-81ED-4DB2-BD59-A6C34878D82A}">
-                    <a16:rowId xmlns="" xmlns:a16="http://schemas.microsoft.com/office/drawing/2014/main" val="1593767149"/>
+                    <a16:rowId xmlns:a16="http://schemas.microsoft.com/office/drawing/2014/main" xmlns="" val="1593767149"/>
                   </a:ext>
                 </a:extLst>
               </a:tr>
@@ -15307,7 +15307,7 @@
                 </a:tc>
                 <a:extLst>
                   <a:ext uri="{0D108BD9-81ED-4DB2-BD59-A6C34878D82A}">
-                    <a16:rowId xmlns="" xmlns:a16="http://schemas.microsoft.com/office/drawing/2014/main" val="1377613341"/>
+                    <a16:rowId xmlns:a16="http://schemas.microsoft.com/office/drawing/2014/main" xmlns="" val="1377613341"/>
                   </a:ext>
                 </a:extLst>
               </a:tr>
@@ -15603,7 +15603,7 @@
                 </a:tc>
                 <a:extLst>
                   <a:ext uri="{0D108BD9-81ED-4DB2-BD59-A6C34878D82A}">
-                    <a16:rowId xmlns="" xmlns:a16="http://schemas.microsoft.com/office/drawing/2014/main" val="1902917954"/>
+                    <a16:rowId xmlns:a16="http://schemas.microsoft.com/office/drawing/2014/main" xmlns="" val="1902917954"/>
                   </a:ext>
                 </a:extLst>
               </a:tr>
@@ -16035,7 +16035,7 @@
                 </a:tc>
                 <a:extLst>
                   <a:ext uri="{0D108BD9-81ED-4DB2-BD59-A6C34878D82A}">
-                    <a16:rowId xmlns="" xmlns:a16="http://schemas.microsoft.com/office/drawing/2014/main" val="3610567647"/>
+                    <a16:rowId xmlns:a16="http://schemas.microsoft.com/office/drawing/2014/main" xmlns="" val="3610567647"/>
                   </a:ext>
                 </a:extLst>
               </a:tr>
@@ -16535,7 +16535,7 @@
                 </a:tc>
                 <a:extLst>
                   <a:ext uri="{0D108BD9-81ED-4DB2-BD59-A6C34878D82A}">
-                    <a16:rowId xmlns="" xmlns:a16="http://schemas.microsoft.com/office/drawing/2014/main" val="2240697595"/>
+                    <a16:rowId xmlns:a16="http://schemas.microsoft.com/office/drawing/2014/main" xmlns="" val="2240697595"/>
                   </a:ext>
                 </a:extLst>
               </a:tr>
@@ -17035,7 +17035,7 @@
                 </a:tc>
                 <a:extLst>
                   <a:ext uri="{0D108BD9-81ED-4DB2-BD59-A6C34878D82A}">
-                    <a16:rowId xmlns="" xmlns:a16="http://schemas.microsoft.com/office/drawing/2014/main" val="1607816392"/>
+                    <a16:rowId xmlns:a16="http://schemas.microsoft.com/office/drawing/2014/main" xmlns="" val="1607816392"/>
                   </a:ext>
                 </a:extLst>
               </a:tr>
@@ -17331,7 +17331,7 @@
                 </a:tc>
                 <a:extLst>
                   <a:ext uri="{0D108BD9-81ED-4DB2-BD59-A6C34878D82A}">
-                    <a16:rowId xmlns="" xmlns:a16="http://schemas.microsoft.com/office/drawing/2014/main" val="3697172454"/>
+                    <a16:rowId xmlns:a16="http://schemas.microsoft.com/office/drawing/2014/main" xmlns="" val="3697172454"/>
                   </a:ext>
                 </a:extLst>
               </a:tr>
@@ -17763,7 +17763,7 @@
                 </a:tc>
                 <a:extLst>
                   <a:ext uri="{0D108BD9-81ED-4DB2-BD59-A6C34878D82A}">
-                    <a16:rowId xmlns="" xmlns:a16="http://schemas.microsoft.com/office/drawing/2014/main" val="98253270"/>
+                    <a16:rowId xmlns:a16="http://schemas.microsoft.com/office/drawing/2014/main" xmlns="" val="98253270"/>
                   </a:ext>
                 </a:extLst>
               </a:tr>
@@ -18337,7 +18337,7 @@
                 </a:tc>
                 <a:extLst>
                   <a:ext uri="{0D108BD9-81ED-4DB2-BD59-A6C34878D82A}">
-                    <a16:rowId xmlns="" xmlns:a16="http://schemas.microsoft.com/office/drawing/2014/main" val="2088449880"/>
+                    <a16:rowId xmlns:a16="http://schemas.microsoft.com/office/drawing/2014/main" xmlns="" val="2088449880"/>
                   </a:ext>
                 </a:extLst>
               </a:tr>
@@ -18769,7 +18769,7 @@
                 </a:tc>
                 <a:extLst>
                   <a:ext uri="{0D108BD9-81ED-4DB2-BD59-A6C34878D82A}">
-                    <a16:rowId xmlns="" xmlns:a16="http://schemas.microsoft.com/office/drawing/2014/main" val="4176618975"/>
+                    <a16:rowId xmlns:a16="http://schemas.microsoft.com/office/drawing/2014/main" xmlns="" val="4176618975"/>
                   </a:ext>
                 </a:extLst>
               </a:tr>
@@ -19201,7 +19201,7 @@
                 </a:tc>
                 <a:extLst>
                   <a:ext uri="{0D108BD9-81ED-4DB2-BD59-A6C34878D82A}">
-                    <a16:rowId xmlns="" xmlns:a16="http://schemas.microsoft.com/office/drawing/2014/main" val="6308878"/>
+                    <a16:rowId xmlns:a16="http://schemas.microsoft.com/office/drawing/2014/main" xmlns="" val="6308878"/>
                   </a:ext>
                 </a:extLst>
               </a:tr>
@@ -19701,7 +19701,7 @@
                 </a:tc>
                 <a:extLst>
                   <a:ext uri="{0D108BD9-81ED-4DB2-BD59-A6C34878D82A}">
-                    <a16:rowId xmlns="" xmlns:a16="http://schemas.microsoft.com/office/drawing/2014/main" val="3611273354"/>
+                    <a16:rowId xmlns:a16="http://schemas.microsoft.com/office/drawing/2014/main" xmlns="" val="3611273354"/>
                   </a:ext>
                 </a:extLst>
               </a:tr>
@@ -20209,7 +20209,7 @@
                 </a:tc>
                 <a:extLst>
                   <a:ext uri="{0D108BD9-81ED-4DB2-BD59-A6C34878D82A}">
-                    <a16:rowId xmlns="" xmlns:a16="http://schemas.microsoft.com/office/drawing/2014/main" val="349540025"/>
+                    <a16:rowId xmlns:a16="http://schemas.microsoft.com/office/drawing/2014/main" xmlns="" val="349540025"/>
                   </a:ext>
                 </a:extLst>
               </a:tr>
@@ -20783,7 +20783,7 @@
                 </a:tc>
                 <a:extLst>
                   <a:ext uri="{0D108BD9-81ED-4DB2-BD59-A6C34878D82A}">
-                    <a16:rowId xmlns="" xmlns:a16="http://schemas.microsoft.com/office/drawing/2014/main" val="4052316447"/>
+                    <a16:rowId xmlns:a16="http://schemas.microsoft.com/office/drawing/2014/main" xmlns="" val="4052316447"/>
                   </a:ext>
                 </a:extLst>
               </a:tr>
@@ -21147,7 +21147,7 @@
                 </a:tc>
                 <a:extLst>
                   <a:ext uri="{0D108BD9-81ED-4DB2-BD59-A6C34878D82A}">
-                    <a16:rowId xmlns="" xmlns:a16="http://schemas.microsoft.com/office/drawing/2014/main" val="3293795992"/>
+                    <a16:rowId xmlns:a16="http://schemas.microsoft.com/office/drawing/2014/main" xmlns="" val="3293795992"/>
                   </a:ext>
                 </a:extLst>
               </a:tr>
@@ -21511,7 +21511,7 @@
                 </a:tc>
                 <a:extLst>
                   <a:ext uri="{0D108BD9-81ED-4DB2-BD59-A6C34878D82A}">
-                    <a16:rowId xmlns="" xmlns:a16="http://schemas.microsoft.com/office/drawing/2014/main" val="423676051"/>
+                    <a16:rowId xmlns:a16="http://schemas.microsoft.com/office/drawing/2014/main" xmlns="" val="423676051"/>
                   </a:ext>
                 </a:extLst>
               </a:tr>
@@ -21943,7 +21943,7 @@
                 </a:tc>
                 <a:extLst>
                   <a:ext uri="{0D108BD9-81ED-4DB2-BD59-A6C34878D82A}">
-                    <a16:rowId xmlns="" xmlns:a16="http://schemas.microsoft.com/office/drawing/2014/main" val="1783162446"/>
+                    <a16:rowId xmlns:a16="http://schemas.microsoft.com/office/drawing/2014/main" xmlns="" val="1783162446"/>
                   </a:ext>
                 </a:extLst>
               </a:tr>
@@ -22307,7 +22307,7 @@
                 </a:tc>
                 <a:extLst>
                   <a:ext uri="{0D108BD9-81ED-4DB2-BD59-A6C34878D82A}">
-                    <a16:rowId xmlns="" xmlns:a16="http://schemas.microsoft.com/office/drawing/2014/main" val="2187115846"/>
+                    <a16:rowId xmlns:a16="http://schemas.microsoft.com/office/drawing/2014/main" xmlns="" val="2187115846"/>
                   </a:ext>
                 </a:extLst>
               </a:tr>
@@ -22671,7 +22671,7 @@
                 </a:tc>
                 <a:extLst>
                   <a:ext uri="{0D108BD9-81ED-4DB2-BD59-A6C34878D82A}">
-                    <a16:rowId xmlns="" xmlns:a16="http://schemas.microsoft.com/office/drawing/2014/main" val="3065941848"/>
+                    <a16:rowId xmlns:a16="http://schemas.microsoft.com/office/drawing/2014/main" xmlns="" val="3065941848"/>
                   </a:ext>
                 </a:extLst>
               </a:tr>
@@ -23103,7 +23103,7 @@
                 </a:tc>
                 <a:extLst>
                   <a:ext uri="{0D108BD9-81ED-4DB2-BD59-A6C34878D82A}">
-                    <a16:rowId xmlns="" xmlns:a16="http://schemas.microsoft.com/office/drawing/2014/main" val="1526316008"/>
+                    <a16:rowId xmlns:a16="http://schemas.microsoft.com/office/drawing/2014/main" xmlns="" val="1526316008"/>
                   </a:ext>
                 </a:extLst>
               </a:tr>
@@ -23535,7 +23535,7 @@
                 </a:tc>
                 <a:extLst>
                   <a:ext uri="{0D108BD9-81ED-4DB2-BD59-A6C34878D82A}">
-                    <a16:rowId xmlns="" xmlns:a16="http://schemas.microsoft.com/office/drawing/2014/main" val="819584380"/>
+                    <a16:rowId xmlns:a16="http://schemas.microsoft.com/office/drawing/2014/main" xmlns="" val="819584380"/>
                   </a:ext>
                 </a:extLst>
               </a:tr>
@@ -23899,7 +23899,7 @@
                 </a:tc>
                 <a:extLst>
                   <a:ext uri="{0D108BD9-81ED-4DB2-BD59-A6C34878D82A}">
-                    <a16:rowId xmlns="" xmlns:a16="http://schemas.microsoft.com/office/drawing/2014/main" val="4054279100"/>
+                    <a16:rowId xmlns:a16="http://schemas.microsoft.com/office/drawing/2014/main" xmlns="" val="4054279100"/>
                   </a:ext>
                 </a:extLst>
               </a:tr>
@@ -24331,7 +24331,7 @@
                 </a:tc>
                 <a:extLst>
                   <a:ext uri="{0D108BD9-81ED-4DB2-BD59-A6C34878D82A}">
-                    <a16:rowId xmlns="" xmlns:a16="http://schemas.microsoft.com/office/drawing/2014/main" val="2708141122"/>
+                    <a16:rowId xmlns:a16="http://schemas.microsoft.com/office/drawing/2014/main" xmlns="" val="2708141122"/>
                   </a:ext>
                 </a:extLst>
               </a:tr>
@@ -24831,7 +24831,7 @@
                 </a:tc>
                 <a:extLst>
                   <a:ext uri="{0D108BD9-81ED-4DB2-BD59-A6C34878D82A}">
-                    <a16:rowId xmlns="" xmlns:a16="http://schemas.microsoft.com/office/drawing/2014/main" val="2843908287"/>
+                    <a16:rowId xmlns:a16="http://schemas.microsoft.com/office/drawing/2014/main" xmlns="" val="2843908287"/>
                   </a:ext>
                 </a:extLst>
               </a:tr>
@@ -25263,7 +25263,7 @@
                 </a:tc>
                 <a:extLst>
                   <a:ext uri="{0D108BD9-81ED-4DB2-BD59-A6C34878D82A}">
-                    <a16:rowId xmlns="" xmlns:a16="http://schemas.microsoft.com/office/drawing/2014/main" val="3865779656"/>
+                    <a16:rowId xmlns:a16="http://schemas.microsoft.com/office/drawing/2014/main" xmlns="" val="3865779656"/>
                   </a:ext>
                 </a:extLst>
               </a:tr>
@@ -25695,7 +25695,7 @@
                 </a:tc>
                 <a:extLst>
                   <a:ext uri="{0D108BD9-81ED-4DB2-BD59-A6C34878D82A}">
-                    <a16:rowId xmlns="" xmlns:a16="http://schemas.microsoft.com/office/drawing/2014/main" val="4180789907"/>
+                    <a16:rowId xmlns:a16="http://schemas.microsoft.com/office/drawing/2014/main" xmlns="" val="4180789907"/>
                   </a:ext>
                 </a:extLst>
               </a:tr>
@@ -26195,7 +26195,7 @@
                 </a:tc>
                 <a:extLst>
                   <a:ext uri="{0D108BD9-81ED-4DB2-BD59-A6C34878D82A}">
-                    <a16:rowId xmlns="" xmlns:a16="http://schemas.microsoft.com/office/drawing/2014/main" val="384428145"/>
+                    <a16:rowId xmlns:a16="http://schemas.microsoft.com/office/drawing/2014/main" xmlns="" val="384428145"/>
                   </a:ext>
                 </a:extLst>
               </a:tr>
@@ -26627,7 +26627,7 @@
                 </a:tc>
                 <a:extLst>
                   <a:ext uri="{0D108BD9-81ED-4DB2-BD59-A6C34878D82A}">
-                    <a16:rowId xmlns="" xmlns:a16="http://schemas.microsoft.com/office/drawing/2014/main" val="480607103"/>
+                    <a16:rowId xmlns:a16="http://schemas.microsoft.com/office/drawing/2014/main" xmlns="" val="480607103"/>
                   </a:ext>
                 </a:extLst>
               </a:tr>
@@ -26991,7 +26991,7 @@
                 </a:tc>
                 <a:extLst>
                   <a:ext uri="{0D108BD9-81ED-4DB2-BD59-A6C34878D82A}">
-                    <a16:rowId xmlns="" xmlns:a16="http://schemas.microsoft.com/office/drawing/2014/main" val="2321515939"/>
+                    <a16:rowId xmlns:a16="http://schemas.microsoft.com/office/drawing/2014/main" xmlns="" val="2321515939"/>
                   </a:ext>
                 </a:extLst>
               </a:tr>
@@ -27423,7 +27423,7 @@
                 </a:tc>
                 <a:extLst>
                   <a:ext uri="{0D108BD9-81ED-4DB2-BD59-A6C34878D82A}">
-                    <a16:rowId xmlns="" xmlns:a16="http://schemas.microsoft.com/office/drawing/2014/main" val="1026505309"/>
+                    <a16:rowId xmlns:a16="http://schemas.microsoft.com/office/drawing/2014/main" xmlns="" val="1026505309"/>
                   </a:ext>
                 </a:extLst>
               </a:tr>
@@ -27787,7 +27787,7 @@
                 </a:tc>
                 <a:extLst>
                   <a:ext uri="{0D108BD9-81ED-4DB2-BD59-A6C34878D82A}">
-                    <a16:rowId xmlns="" xmlns:a16="http://schemas.microsoft.com/office/drawing/2014/main" val="476155638"/>
+                    <a16:rowId xmlns:a16="http://schemas.microsoft.com/office/drawing/2014/main" xmlns="" val="476155638"/>
                   </a:ext>
                 </a:extLst>
               </a:tr>
@@ -28219,7 +28219,7 @@
                 </a:tc>
                 <a:extLst>
                   <a:ext uri="{0D108BD9-81ED-4DB2-BD59-A6C34878D82A}">
-                    <a16:rowId xmlns="" xmlns:a16="http://schemas.microsoft.com/office/drawing/2014/main" val="2787642836"/>
+                    <a16:rowId xmlns:a16="http://schemas.microsoft.com/office/drawing/2014/main" xmlns="" val="2787642836"/>
                   </a:ext>
                 </a:extLst>
               </a:tr>
@@ -28651,7 +28651,7 @@
                 </a:tc>
                 <a:extLst>
                   <a:ext uri="{0D108BD9-81ED-4DB2-BD59-A6C34878D82A}">
-                    <a16:rowId xmlns="" xmlns:a16="http://schemas.microsoft.com/office/drawing/2014/main" val="22680596"/>
+                    <a16:rowId xmlns:a16="http://schemas.microsoft.com/office/drawing/2014/main" xmlns="" val="22680596"/>
                   </a:ext>
                 </a:extLst>
               </a:tr>
@@ -29015,7 +29015,7 @@
                 </a:tc>
                 <a:extLst>
                   <a:ext uri="{0D108BD9-81ED-4DB2-BD59-A6C34878D82A}">
-                    <a16:rowId xmlns="" xmlns:a16="http://schemas.microsoft.com/office/drawing/2014/main" val="3443830930"/>
+                    <a16:rowId xmlns:a16="http://schemas.microsoft.com/office/drawing/2014/main" xmlns="" val="3443830930"/>
                   </a:ext>
                 </a:extLst>
               </a:tr>
@@ -29515,7 +29515,7 @@
                 </a:tc>
                 <a:extLst>
                   <a:ext uri="{0D108BD9-81ED-4DB2-BD59-A6C34878D82A}">
-                    <a16:rowId xmlns="" xmlns:a16="http://schemas.microsoft.com/office/drawing/2014/main" val="596144353"/>
+                    <a16:rowId xmlns:a16="http://schemas.microsoft.com/office/drawing/2014/main" xmlns="" val="596144353"/>
                   </a:ext>
                 </a:extLst>
               </a:tr>
@@ -29879,7 +29879,7 @@
                 </a:tc>
                 <a:extLst>
                   <a:ext uri="{0D108BD9-81ED-4DB2-BD59-A6C34878D82A}">
-                    <a16:rowId xmlns="" xmlns:a16="http://schemas.microsoft.com/office/drawing/2014/main" val="3452778115"/>
+                    <a16:rowId xmlns:a16="http://schemas.microsoft.com/office/drawing/2014/main" xmlns="" val="3452778115"/>
                   </a:ext>
                 </a:extLst>
               </a:tr>
@@ -30031,7 +30031,7 @@
                 </a:tc>
                 <a:extLst>
                   <a:ext uri="{0D108BD9-81ED-4DB2-BD59-A6C34878D82A}">
-                    <a16:rowId xmlns="" xmlns:a16="http://schemas.microsoft.com/office/drawing/2014/main" val="3461935661"/>
+                    <a16:rowId xmlns:a16="http://schemas.microsoft.com/office/drawing/2014/main" xmlns="" val="3461935661"/>
                   </a:ext>
                 </a:extLst>
               </a:tr>
@@ -36069,7 +36069,17 @@
                 <a:latin typeface="THE정고딕130" pitchFamily="18" charset="-127"/>
                 <a:ea typeface="THE정고딕130" pitchFamily="18" charset="-127"/>
               </a:rPr>
-              <a:t>    만들어서 사용</a:t>
+              <a:t>    만들어서 </a:t>
+            </a:r>
+            <a:r>
+              <a:rPr lang="ko-KR" altLang="en-US" b="1" dirty="0" smtClean="0">
+                <a:solidFill>
+                  <a:srgbClr val="C00000"/>
+                </a:solidFill>
+                <a:latin typeface="THE정고딕130" pitchFamily="18" charset="-127"/>
+                <a:ea typeface="THE정고딕130" pitchFamily="18" charset="-127"/>
+              </a:rPr>
+              <a:t>사용</a:t>
             </a:r>
             <a:endParaRPr lang="en-US" altLang="ko-KR" b="1" dirty="0" smtClean="0">
               <a:solidFill>
@@ -45435,7 +45445,7 @@
         </p:nvSpPr>
         <p:spPr>
           <a:xfrm>
-            <a:off x="6903518" y="1916832"/>
+            <a:off x="6894187" y="1916832"/>
             <a:ext cx="1854526" cy="369332"/>
           </a:xfrm>
           <a:prstGeom prst="rect">
